--- a/doc/for_developers/layered_arch/layered_arch.pptx
+++ b/doc/for_developers/layered_arch/layered_arch.pptx
@@ -243,7 +243,7 @@
           <a:p>
             <a:fld id="{6709A38A-D9A2-294D-9C2A-AD67358F3BA0}" type="datetimeFigureOut">
               <a:rPr lang="en-US" smtClean="0"/>
-              <a:t>1/21/26</a:t>
+              <a:t>1/23/26</a:t>
             </a:fld>
             <a:endParaRPr lang="en-US"/>
           </a:p>
@@ -413,7 +413,7 @@
           <a:p>
             <a:fld id="{6709A38A-D9A2-294D-9C2A-AD67358F3BA0}" type="datetimeFigureOut">
               <a:rPr lang="en-US" smtClean="0"/>
-              <a:t>1/21/26</a:t>
+              <a:t>1/23/26</a:t>
             </a:fld>
             <a:endParaRPr lang="en-US"/>
           </a:p>
@@ -593,7 +593,7 @@
           <a:p>
             <a:fld id="{6709A38A-D9A2-294D-9C2A-AD67358F3BA0}" type="datetimeFigureOut">
               <a:rPr lang="en-US" smtClean="0"/>
-              <a:t>1/21/26</a:t>
+              <a:t>1/23/26</a:t>
             </a:fld>
             <a:endParaRPr lang="en-US"/>
           </a:p>
@@ -763,7 +763,7 @@
           <a:p>
             <a:fld id="{6709A38A-D9A2-294D-9C2A-AD67358F3BA0}" type="datetimeFigureOut">
               <a:rPr lang="en-US" smtClean="0"/>
-              <a:t>1/21/26</a:t>
+              <a:t>1/23/26</a:t>
             </a:fld>
             <a:endParaRPr lang="en-US"/>
           </a:p>
@@ -1009,7 +1009,7 @@
           <a:p>
             <a:fld id="{6709A38A-D9A2-294D-9C2A-AD67358F3BA0}" type="datetimeFigureOut">
               <a:rPr lang="en-US" smtClean="0"/>
-              <a:t>1/21/26</a:t>
+              <a:t>1/23/26</a:t>
             </a:fld>
             <a:endParaRPr lang="en-US"/>
           </a:p>
@@ -1241,7 +1241,7 @@
           <a:p>
             <a:fld id="{6709A38A-D9A2-294D-9C2A-AD67358F3BA0}" type="datetimeFigureOut">
               <a:rPr lang="en-US" smtClean="0"/>
-              <a:t>1/21/26</a:t>
+              <a:t>1/23/26</a:t>
             </a:fld>
             <a:endParaRPr lang="en-US"/>
           </a:p>
@@ -1608,7 +1608,7 @@
           <a:p>
             <a:fld id="{6709A38A-D9A2-294D-9C2A-AD67358F3BA0}" type="datetimeFigureOut">
               <a:rPr lang="en-US" smtClean="0"/>
-              <a:t>1/21/26</a:t>
+              <a:t>1/23/26</a:t>
             </a:fld>
             <a:endParaRPr lang="en-US"/>
           </a:p>
@@ -1726,7 +1726,7 @@
           <a:p>
             <a:fld id="{6709A38A-D9A2-294D-9C2A-AD67358F3BA0}" type="datetimeFigureOut">
               <a:rPr lang="en-US" smtClean="0"/>
-              <a:t>1/21/26</a:t>
+              <a:t>1/23/26</a:t>
             </a:fld>
             <a:endParaRPr lang="en-US"/>
           </a:p>
@@ -1821,7 +1821,7 @@
           <a:p>
             <a:fld id="{6709A38A-D9A2-294D-9C2A-AD67358F3BA0}" type="datetimeFigureOut">
               <a:rPr lang="en-US" smtClean="0"/>
-              <a:t>1/21/26</a:t>
+              <a:t>1/23/26</a:t>
             </a:fld>
             <a:endParaRPr lang="en-US"/>
           </a:p>
@@ -2098,7 +2098,7 @@
           <a:p>
             <a:fld id="{6709A38A-D9A2-294D-9C2A-AD67358F3BA0}" type="datetimeFigureOut">
               <a:rPr lang="en-US" smtClean="0"/>
-              <a:t>1/21/26</a:t>
+              <a:t>1/23/26</a:t>
             </a:fld>
             <a:endParaRPr lang="en-US"/>
           </a:p>
@@ -2355,7 +2355,7 @@
           <a:p>
             <a:fld id="{6709A38A-D9A2-294D-9C2A-AD67358F3BA0}" type="datetimeFigureOut">
               <a:rPr lang="en-US" smtClean="0"/>
-              <a:t>1/21/26</a:t>
+              <a:t>1/23/26</a:t>
             </a:fld>
             <a:endParaRPr lang="en-US"/>
           </a:p>
@@ -2568,7 +2568,7 @@
           <a:p>
             <a:fld id="{6709A38A-D9A2-294D-9C2A-AD67358F3BA0}" type="datetimeFigureOut">
               <a:rPr lang="en-US" smtClean="0"/>
-              <a:t>1/21/26</a:t>
+              <a:t>1/23/26</a:t>
             </a:fld>
             <a:endParaRPr lang="en-US"/>
           </a:p>
@@ -3634,65 +3634,11 @@
         <p:grpSpPr>
           <a:xfrm>
             <a:off x="601040" y="3005884"/>
-            <a:ext cx="3672621" cy="1070432"/>
+            <a:ext cx="4351960" cy="1070432"/>
             <a:chOff x="2558143" y="3570515"/>
-            <a:chExt cx="2710543" cy="642259"/>
+            <a:chExt cx="3211923" cy="642259"/>
           </a:xfrm>
         </p:grpSpPr>
-        <p:sp>
-          <p:nvSpPr>
-            <p:cNvPr id="10" name="Rectangle 9">
-              <a:extLst>
-                <a:ext uri="{FF2B5EF4-FFF2-40B4-BE49-F238E27FC236}">
-                  <a16:creationId xmlns:a16="http://schemas.microsoft.com/office/drawing/2014/main" id="{7A397648-E98F-4001-E242-AC1CAC2D50B1}"/>
-                </a:ext>
-              </a:extLst>
-            </p:cNvPr>
-            <p:cNvSpPr/>
-            <p:nvPr/>
-          </p:nvSpPr>
-          <p:spPr>
-            <a:xfrm>
-              <a:off x="2558143" y="3722915"/>
-              <a:ext cx="1001486" cy="304800"/>
-            </a:xfrm>
-            <a:prstGeom prst="rect">
-              <a:avLst/>
-            </a:prstGeom>
-            <a:solidFill>
-              <a:schemeClr val="accent3">
-                <a:lumMod val="20000"/>
-                <a:lumOff val="80000"/>
-              </a:schemeClr>
-            </a:solidFill>
-            <a:ln w="12700">
-              <a:headEnd type="none" w="med" len="med"/>
-              <a:tailEnd type="none" w="med" len="med"/>
-            </a:ln>
-          </p:spPr>
-          <p:style>
-            <a:lnRef idx="2">
-              <a:schemeClr val="dk1"/>
-            </a:lnRef>
-            <a:fillRef idx="1">
-              <a:schemeClr val="lt1"/>
-            </a:fillRef>
-            <a:effectRef idx="0">
-              <a:schemeClr val="dk1"/>
-            </a:effectRef>
-            <a:fontRef idx="minor">
-              <a:schemeClr val="dk1"/>
-            </a:fontRef>
-          </p:style>
-          <p:txBody>
-            <a:bodyPr rtlCol="0" anchor="ctr"/>
-            <a:lstStyle/>
-            <a:p>
-              <a:pPr algn="ctr"/>
-              <a:endParaRPr lang="en-US"/>
-            </a:p>
-          </p:txBody>
-        </p:sp>
         <p:sp>
           <p:nvSpPr>
             <p:cNvPr id="11" name="Rectangle 10">
@@ -3773,7 +3719,7 @@
                 <a:lumOff val="80000"/>
               </a:schemeClr>
             </a:solidFill>
-            <a:ln>
+            <a:ln w="12700">
               <a:headEnd type="none" w="med" len="med"/>
               <a:tailEnd type="none" w="med" len="med"/>
             </a:ln>
@@ -3816,6 +3762,60 @@
           <p:spPr>
             <a:xfrm>
               <a:off x="4267200" y="3907974"/>
+              <a:ext cx="1502866" cy="304800"/>
+            </a:xfrm>
+            <a:prstGeom prst="rect">
+              <a:avLst/>
+            </a:prstGeom>
+            <a:solidFill>
+              <a:schemeClr val="accent3">
+                <a:lumMod val="20000"/>
+                <a:lumOff val="80000"/>
+              </a:schemeClr>
+            </a:solidFill>
+            <a:ln w="12700">
+              <a:headEnd type="none" w="med" len="med"/>
+              <a:tailEnd type="none" w="med" len="med"/>
+            </a:ln>
+          </p:spPr>
+          <p:style>
+            <a:lnRef idx="2">
+              <a:schemeClr val="dk1"/>
+            </a:lnRef>
+            <a:fillRef idx="1">
+              <a:schemeClr val="lt1"/>
+            </a:fillRef>
+            <a:effectRef idx="0">
+              <a:schemeClr val="dk1"/>
+            </a:effectRef>
+            <a:fontRef idx="minor">
+              <a:schemeClr val="dk1"/>
+            </a:fontRef>
+          </p:style>
+          <p:txBody>
+            <a:bodyPr rtlCol="0" anchor="ctr"/>
+            <a:lstStyle/>
+            <a:p>
+              <a:pPr algn="ctr"/>
+              <a:endParaRPr lang="en-US"/>
+            </a:p>
+          </p:txBody>
+        </p:sp>
+        <p:sp>
+          <p:nvSpPr>
+            <p:cNvPr id="10" name="Rectangle 9">
+              <a:extLst>
+                <a:ext uri="{FF2B5EF4-FFF2-40B4-BE49-F238E27FC236}">
+                  <a16:creationId xmlns:a16="http://schemas.microsoft.com/office/drawing/2014/main" id="{7A397648-E98F-4001-E242-AC1CAC2D50B1}"/>
+                </a:ext>
+              </a:extLst>
+            </p:cNvPr>
+            <p:cNvSpPr/>
+            <p:nvPr/>
+          </p:nvSpPr>
+          <p:spPr>
+            <a:xfrm>
+              <a:off x="2558143" y="3722915"/>
               <a:ext cx="1001486" cy="304800"/>
             </a:xfrm>
             <a:prstGeom prst="rect">
@@ -3870,7 +3870,7 @@
         </p:nvSpPr>
         <p:spPr>
           <a:xfrm>
-            <a:off x="799002" y="3094689"/>
+            <a:off x="799002" y="2974072"/>
             <a:ext cx="2290365" cy="338554"/>
           </a:xfrm>
           <a:prstGeom prst="rect">
@@ -3949,14 +3949,13 @@
           </p:cNvPr>
           <p:cNvCxnSpPr>
             <a:cxnSpLocks/>
-            <a:stCxn id="12" idx="2"/>
           </p:cNvCxnSpPr>
           <p:nvPr/>
         </p:nvCxnSpPr>
         <p:spPr>
           <a:xfrm flipH="1">
-            <a:off x="3142150" y="4076316"/>
-            <a:ext cx="453035" cy="1562522"/>
+            <a:off x="2996889" y="4076316"/>
+            <a:ext cx="792704" cy="1562522"/>
           </a:xfrm>
           <a:prstGeom prst="straightConnector1">
             <a:avLst/>
@@ -3991,15 +3990,13 @@
           </p:cNvPr>
           <p:cNvCxnSpPr>
             <a:cxnSpLocks/>
-            <a:stCxn id="12" idx="2"/>
-            <a:endCxn id="17" idx="0"/>
           </p:cNvCxnSpPr>
           <p:nvPr/>
         </p:nvCxnSpPr>
         <p:spPr>
           <a:xfrm>
-            <a:off x="3595185" y="4076316"/>
-            <a:ext cx="466435" cy="1001395"/>
+            <a:off x="3789961" y="4084947"/>
+            <a:ext cx="126766" cy="1001395"/>
           </a:xfrm>
           <a:prstGeom prst="straightConnector1">
             <a:avLst/>
@@ -4974,7 +4971,7 @@
         </p:nvSpPr>
         <p:spPr>
           <a:xfrm>
-            <a:off x="1785198" y="234767"/>
+            <a:off x="1751843" y="123413"/>
             <a:ext cx="565873" cy="338554"/>
           </a:xfrm>
           <a:prstGeom prst="rect">
@@ -5131,6 +5128,118 @@
           </a:fontRef>
         </p:style>
       </p:cxnSp>
+      <p:sp>
+        <p:nvSpPr>
+          <p:cNvPr id="2" name="TextBox 1">
+            <a:extLst>
+              <a:ext uri="{FF2B5EF4-FFF2-40B4-BE49-F238E27FC236}">
+                <a16:creationId xmlns:a16="http://schemas.microsoft.com/office/drawing/2014/main" id="{50C65FEC-A617-9A12-E985-9E92C4EAEEC7}"/>
+              </a:ext>
+            </a:extLst>
+          </p:cNvPr>
+          <p:cNvSpPr txBox="1"/>
+          <p:nvPr/>
+        </p:nvSpPr>
+        <p:spPr>
+          <a:xfrm>
+            <a:off x="555448" y="3246344"/>
+            <a:ext cx="1564968" cy="553998"/>
+          </a:xfrm>
+          <a:prstGeom prst="rect">
+            <a:avLst/>
+          </a:prstGeom>
+          <a:noFill/>
+        </p:spPr>
+        <p:txBody>
+          <a:bodyPr wrap="square" rtlCol="0">
+            <a:spAutoFit/>
+          </a:bodyPr>
+          <a:lstStyle/>
+          <a:p>
+            <a:r>
+              <a:rPr lang="en-US" sz="1000" dirty="0">
+                <a:latin typeface="Courier New" panose="02070309020205020404" pitchFamily="49" charset="0"/>
+                <a:cs typeface="Courier New" panose="02070309020205020404" pitchFamily="49" charset="0"/>
+              </a:rPr>
+              <a:t>simple_image.f90</a:t>
+            </a:r>
+          </a:p>
+          <a:p>
+            <a:r>
+              <a:rPr lang="en-US" sz="1000" dirty="0">
+                <a:latin typeface="Courier New" panose="02070309020205020404" pitchFamily="49" charset="0"/>
+                <a:cs typeface="Courier New" panose="02070309020205020404" pitchFamily="49" charset="0"/>
+              </a:rPr>
+              <a:t>simple_ctf.f90</a:t>
+            </a:r>
+          </a:p>
+          <a:p>
+            <a:r>
+              <a:rPr lang="en-US" sz="1000" dirty="0">
+                <a:latin typeface="Courier New" panose="02070309020205020404" pitchFamily="49" charset="0"/>
+                <a:cs typeface="Courier New" panose="02070309020205020404" pitchFamily="49" charset="0"/>
+              </a:rPr>
+              <a:t>simple_ori.f90</a:t>
+            </a:r>
+          </a:p>
+        </p:txBody>
+      </p:sp>
+      <p:sp>
+        <p:nvSpPr>
+          <p:cNvPr id="3" name="TextBox 2">
+            <a:extLst>
+              <a:ext uri="{FF2B5EF4-FFF2-40B4-BE49-F238E27FC236}">
+                <a16:creationId xmlns:a16="http://schemas.microsoft.com/office/drawing/2014/main" id="{EC356211-3C01-BADD-7A27-1CD6A64457D0}"/>
+              </a:ext>
+            </a:extLst>
+          </p:cNvPr>
+          <p:cNvSpPr txBox="1"/>
+          <p:nvPr/>
+        </p:nvSpPr>
+        <p:spPr>
+          <a:xfrm>
+            <a:off x="2900573" y="3552576"/>
+            <a:ext cx="1964034" cy="553998"/>
+          </a:xfrm>
+          <a:prstGeom prst="rect">
+            <a:avLst/>
+          </a:prstGeom>
+          <a:noFill/>
+        </p:spPr>
+        <p:txBody>
+          <a:bodyPr wrap="square" rtlCol="0">
+            <a:spAutoFit/>
+          </a:bodyPr>
+          <a:lstStyle/>
+          <a:p>
+            <a:r>
+              <a:rPr lang="en-US" sz="1000" dirty="0">
+                <a:latin typeface="Courier New" panose="02070309020205020404" pitchFamily="49" charset="0"/>
+                <a:cs typeface="Courier New" panose="02070309020205020404" pitchFamily="49" charset="0"/>
+              </a:rPr>
+              <a:t>simple_oris.f90</a:t>
+            </a:r>
+          </a:p>
+          <a:p>
+            <a:r>
+              <a:rPr lang="en-US" sz="1000" dirty="0">
+                <a:latin typeface="Courier New" panose="02070309020205020404" pitchFamily="49" charset="0"/>
+                <a:cs typeface="Courier New" panose="02070309020205020404" pitchFamily="49" charset="0"/>
+              </a:rPr>
+              <a:t>simple_sp_project.f90</a:t>
+            </a:r>
+          </a:p>
+          <a:p>
+            <a:r>
+              <a:rPr lang="en-US" sz="1000" dirty="0">
+                <a:latin typeface="Courier New" panose="02070309020205020404" pitchFamily="49" charset="0"/>
+                <a:cs typeface="Courier New" panose="02070309020205020404" pitchFamily="49" charset="0"/>
+              </a:rPr>
+              <a:t>simple_nanoparticle.f90</a:t>
+            </a:r>
+          </a:p>
+        </p:txBody>
+      </p:sp>
     </p:spTree>
     <p:extLst>
       <p:ext uri="{BB962C8B-B14F-4D97-AF65-F5344CB8AC3E}">

--- a/doc/for_developers/layered_arch/layered_arch.pptx
+++ b/doc/for_developers/layered_arch/layered_arch.pptx
@@ -243,7 +243,7 @@
           <a:p>
             <a:fld id="{6709A38A-D9A2-294D-9C2A-AD67358F3BA0}" type="datetimeFigureOut">
               <a:rPr lang="en-US" smtClean="0"/>
-              <a:t>1/23/26</a:t>
+              <a:t>1/26/26</a:t>
             </a:fld>
             <a:endParaRPr lang="en-US"/>
           </a:p>
@@ -413,7 +413,7 @@
           <a:p>
             <a:fld id="{6709A38A-D9A2-294D-9C2A-AD67358F3BA0}" type="datetimeFigureOut">
               <a:rPr lang="en-US" smtClean="0"/>
-              <a:t>1/23/26</a:t>
+              <a:t>1/26/26</a:t>
             </a:fld>
             <a:endParaRPr lang="en-US"/>
           </a:p>
@@ -593,7 +593,7 @@
           <a:p>
             <a:fld id="{6709A38A-D9A2-294D-9C2A-AD67358F3BA0}" type="datetimeFigureOut">
               <a:rPr lang="en-US" smtClean="0"/>
-              <a:t>1/23/26</a:t>
+              <a:t>1/26/26</a:t>
             </a:fld>
             <a:endParaRPr lang="en-US"/>
           </a:p>
@@ -763,7 +763,7 @@
           <a:p>
             <a:fld id="{6709A38A-D9A2-294D-9C2A-AD67358F3BA0}" type="datetimeFigureOut">
               <a:rPr lang="en-US" smtClean="0"/>
-              <a:t>1/23/26</a:t>
+              <a:t>1/26/26</a:t>
             </a:fld>
             <a:endParaRPr lang="en-US"/>
           </a:p>
@@ -1009,7 +1009,7 @@
           <a:p>
             <a:fld id="{6709A38A-D9A2-294D-9C2A-AD67358F3BA0}" type="datetimeFigureOut">
               <a:rPr lang="en-US" smtClean="0"/>
-              <a:t>1/23/26</a:t>
+              <a:t>1/26/26</a:t>
             </a:fld>
             <a:endParaRPr lang="en-US"/>
           </a:p>
@@ -1241,7 +1241,7 @@
           <a:p>
             <a:fld id="{6709A38A-D9A2-294D-9C2A-AD67358F3BA0}" type="datetimeFigureOut">
               <a:rPr lang="en-US" smtClean="0"/>
-              <a:t>1/23/26</a:t>
+              <a:t>1/26/26</a:t>
             </a:fld>
             <a:endParaRPr lang="en-US"/>
           </a:p>
@@ -1608,7 +1608,7 @@
           <a:p>
             <a:fld id="{6709A38A-D9A2-294D-9C2A-AD67358F3BA0}" type="datetimeFigureOut">
               <a:rPr lang="en-US" smtClean="0"/>
-              <a:t>1/23/26</a:t>
+              <a:t>1/26/26</a:t>
             </a:fld>
             <a:endParaRPr lang="en-US"/>
           </a:p>
@@ -1726,7 +1726,7 @@
           <a:p>
             <a:fld id="{6709A38A-D9A2-294D-9C2A-AD67358F3BA0}" type="datetimeFigureOut">
               <a:rPr lang="en-US" smtClean="0"/>
-              <a:t>1/23/26</a:t>
+              <a:t>1/26/26</a:t>
             </a:fld>
             <a:endParaRPr lang="en-US"/>
           </a:p>
@@ -1821,7 +1821,7 @@
           <a:p>
             <a:fld id="{6709A38A-D9A2-294D-9C2A-AD67358F3BA0}" type="datetimeFigureOut">
               <a:rPr lang="en-US" smtClean="0"/>
-              <a:t>1/23/26</a:t>
+              <a:t>1/26/26</a:t>
             </a:fld>
             <a:endParaRPr lang="en-US"/>
           </a:p>
@@ -2098,7 +2098,7 @@
           <a:p>
             <a:fld id="{6709A38A-D9A2-294D-9C2A-AD67358F3BA0}" type="datetimeFigureOut">
               <a:rPr lang="en-US" smtClean="0"/>
-              <a:t>1/23/26</a:t>
+              <a:t>1/26/26</a:t>
             </a:fld>
             <a:endParaRPr lang="en-US"/>
           </a:p>
@@ -2355,7 +2355,7 @@
           <a:p>
             <a:fld id="{6709A38A-D9A2-294D-9C2A-AD67358F3BA0}" type="datetimeFigureOut">
               <a:rPr lang="en-US" smtClean="0"/>
-              <a:t>1/23/26</a:t>
+              <a:t>1/26/26</a:t>
             </a:fld>
             <a:endParaRPr lang="en-US"/>
           </a:p>
@@ -2568,7 +2568,7 @@
           <a:p>
             <a:fld id="{6709A38A-D9A2-294D-9C2A-AD67358F3BA0}" type="datetimeFigureOut">
               <a:rPr lang="en-US" smtClean="0"/>
-              <a:t>1/23/26</a:t>
+              <a:t>1/26/26</a:t>
             </a:fld>
             <a:endParaRPr lang="en-US"/>
           </a:p>
@@ -4034,8 +4034,8 @@
         </p:nvSpPr>
         <p:spPr>
           <a:xfrm>
-            <a:off x="204149" y="481161"/>
-            <a:ext cx="1805096" cy="646331"/>
+            <a:off x="-42143" y="-55601"/>
+            <a:ext cx="1805096" cy="923330"/>
           </a:xfrm>
           <a:prstGeom prst="rect">
             <a:avLst/>
@@ -4053,7 +4053,7 @@
                 <a:latin typeface="Consolas" panose="020B0609020204030204" pitchFamily="49" charset="0"/>
                 <a:cs typeface="Consolas" panose="020B0609020204030204" pitchFamily="49" charset="0"/>
               </a:rPr>
-              <a:t>Layered Architecture </a:t>
+              <a:t>Generic Layered Architecture </a:t>
             </a:r>
           </a:p>
         </p:txBody>
@@ -5236,6 +5236,44 @@
                 <a:cs typeface="Courier New" panose="02070309020205020404" pitchFamily="49" charset="0"/>
               </a:rPr>
               <a:t>simple_nanoparticle.f90</a:t>
+            </a:r>
+          </a:p>
+        </p:txBody>
+      </p:sp>
+      <p:sp>
+        <p:nvSpPr>
+          <p:cNvPr id="6" name="TextBox 5">
+            <a:extLst>
+              <a:ext uri="{FF2B5EF4-FFF2-40B4-BE49-F238E27FC236}">
+                <a16:creationId xmlns:a16="http://schemas.microsoft.com/office/drawing/2014/main" id="{B9BA6AEE-79B3-F85C-90BE-0886857F7A39}"/>
+              </a:ext>
+            </a:extLst>
+          </p:cNvPr>
+          <p:cNvSpPr txBox="1"/>
+          <p:nvPr/>
+        </p:nvSpPr>
+        <p:spPr>
+          <a:xfrm>
+            <a:off x="8246652" y="-55601"/>
+            <a:ext cx="1803167" cy="923330"/>
+          </a:xfrm>
+          <a:prstGeom prst="rect">
+            <a:avLst/>
+          </a:prstGeom>
+          <a:noFill/>
+        </p:spPr>
+        <p:txBody>
+          <a:bodyPr wrap="square" rtlCol="0">
+            <a:spAutoFit/>
+          </a:bodyPr>
+          <a:lstStyle/>
+          <a:p>
+            <a:r>
+              <a:rPr lang="en-US" b="1" dirty="0">
+                <a:latin typeface="Consolas" panose="020B0609020204030204" pitchFamily="49" charset="0"/>
+                <a:cs typeface="Consolas" panose="020B0609020204030204" pitchFamily="49" charset="0"/>
+              </a:rPr>
+              <a:t>SIMPLE’s Layered Architecture </a:t>
             </a:r>
           </a:p>
         </p:txBody>
